--- a/Day 2/Slides/4. Building Serverless Applications with Lambda/building-serverless-applications-with-lambda-slides.pptx
+++ b/Day 2/Slides/4. Building Serverless Applications with Lambda/building-serverless-applications-with-lambda-slides.pptx
@@ -5,7 +5,7 @@
     <p:sldMasterId id="2147483648" r:id="rId1"/>
   </p:sldMasterIdLst>
   <p:notesMasterIdLst>
-    <p:notesMasterId r:id="rId18"/>
+    <p:notesMasterId r:id="rId20"/>
   </p:notesMasterIdLst>
   <p:sldIdLst>
     <p:sldId id="256" r:id="rId3"/>
@@ -22,7 +22,9 @@
     <p:sldId id="267" r:id="rId14"/>
     <p:sldId id="268" r:id="rId15"/>
     <p:sldId id="269" r:id="rId16"/>
-    <p:sldId id="270" r:id="rId17"/>
+    <p:sldId id="274" r:id="rId17"/>
+    <p:sldId id="272" r:id="rId18"/>
+    <p:sldId id="270" r:id="rId19"/>
   </p:sldIdLst>
   <p:sldSz cx="12192000" cy="6858000"/>
   <p:notesSz cx="12192000" cy="6858000"/>
@@ -12105,6 +12107,1690 @@
 </file>
 
 <file path=ppt/slides/slide15.xml><?xml version="1.0" encoding="utf-8"?>
+<p:sld xmlns:a="http://schemas.openxmlformats.org/drawingml/2006/main" xmlns:r="http://schemas.openxmlformats.org/officeDocument/2006/relationships" xmlns:p="http://schemas.openxmlformats.org/presentationml/2006/main">
+  <p:cSld>
+    <p:spTree>
+      <p:nvGrpSpPr>
+        <p:cNvPr id="1" name=""/>
+        <p:cNvGrpSpPr/>
+        <p:nvPr/>
+      </p:nvGrpSpPr>
+      <p:grpSpPr>
+        <a:xfrm>
+          <a:off x="0" y="0"/>
+          <a:ext cx="0" cy="0"/>
+          <a:chOff x="0" y="0"/>
+          <a:chExt cx="0" cy="0"/>
+        </a:xfrm>
+      </p:grpSpPr>
+      <p:sp>
+        <p:nvSpPr>
+          <p:cNvPr id="2" name="object 2"/>
+          <p:cNvSpPr/>
+          <p:nvPr/>
+        </p:nvSpPr>
+        <p:spPr>
+          <a:xfrm>
+            <a:off x="4114800" y="1524000"/>
+            <a:ext cx="76200" cy="4482465"/>
+          </a:xfrm>
+          <a:custGeom>
+            <a:avLst/>
+            <a:gdLst/>
+            <a:ahLst/>
+            <a:cxnLst/>
+            <a:rect l="l" t="t" r="r" b="b"/>
+            <a:pathLst>
+              <a:path h="4131310">
+                <a:moveTo>
+                  <a:pt x="0" y="0"/>
+                </a:moveTo>
+                <a:lnTo>
+                  <a:pt x="0" y="4130941"/>
+                </a:lnTo>
+              </a:path>
+            </a:pathLst>
+          </a:custGeom>
+          <a:ln w="25908">
+            <a:solidFill>
+              <a:srgbClr val="EF5A28"/>
+            </a:solidFill>
+          </a:ln>
+        </p:spPr>
+        <p:txBody>
+          <a:bodyPr wrap="square" lIns="0" tIns="0" rIns="0" bIns="0" rtlCol="0"/>
+          <a:lstStyle/>
+          <a:p/>
+        </p:txBody>
+      </p:sp>
+      <p:sp>
+        <p:nvSpPr>
+          <p:cNvPr id="3" name="object 3"/>
+          <p:cNvSpPr txBox="1">
+            <a:spLocks noGrp="1"/>
+          </p:cNvSpPr>
+          <p:nvPr>
+            <p:ph type="title"/>
+          </p:nvPr>
+        </p:nvSpPr>
+        <p:spPr>
+          <a:xfrm>
+            <a:off x="1295400" y="76200"/>
+            <a:ext cx="10380345" cy="1120140"/>
+          </a:xfrm>
+          <a:prstGeom prst="rect">
+            <a:avLst/>
+          </a:prstGeom>
+        </p:spPr>
+        <p:txBody>
+          <a:bodyPr vert="horz" wrap="square" lIns="0" tIns="12700" rIns="0" bIns="0" rtlCol="0">
+            <a:spAutoFit/>
+          </a:bodyPr>
+          <a:lstStyle/>
+          <a:p>
+            <a:pPr marL="12700" algn="ctr">
+              <a:lnSpc>
+                <a:spcPct val="100000"/>
+              </a:lnSpc>
+              <a:spcBef>
+                <a:spcPts val="100"/>
+              </a:spcBef>
+            </a:pPr>
+            <a:r>
+              <a:rPr spc="75" dirty="0">
+                <a:sym typeface="+mn-ea"/>
+              </a:rPr>
+              <a:t>Stop and Start Amazon EC2 instances  using Lambda</a:t>
+            </a:r>
+            <a:endParaRPr spc="75" dirty="0"/>
+          </a:p>
+        </p:txBody>
+      </p:sp>
+      <p:sp>
+        <p:nvSpPr>
+          <p:cNvPr id="4" name="object 4"/>
+          <p:cNvSpPr txBox="1"/>
+          <p:nvPr/>
+        </p:nvSpPr>
+        <p:spPr>
+          <a:xfrm>
+            <a:off x="4419600" y="1388110"/>
+            <a:ext cx="7579360" cy="4690110"/>
+          </a:xfrm>
+          <a:prstGeom prst="rect">
+            <a:avLst/>
+          </a:prstGeom>
+        </p:spPr>
+        <p:txBody>
+          <a:bodyPr vert="horz" wrap="square" lIns="0" tIns="88900" rIns="0" bIns="0" rtlCol="0">
+            <a:spAutoFit/>
+          </a:bodyPr>
+          <a:lstStyle/>
+          <a:p>
+            <a:pPr marL="12700">
+              <a:lnSpc>
+                <a:spcPct val="100000"/>
+              </a:lnSpc>
+              <a:spcBef>
+                <a:spcPts val="700"/>
+              </a:spcBef>
+            </a:pPr>
+            <a:r>
+              <a:rPr sz="2400" dirty="0">
+                <a:solidFill>
+                  <a:srgbClr val="EF5A28"/>
+                </a:solidFill>
+                <a:latin typeface="Verdana" panose="020B0604030504040204"/>
+                <a:cs typeface="Verdana" panose="020B0604030504040204"/>
+              </a:rPr>
+              <a:t>To stop and start EC2 instances at regular intervals using Lambda, do the following:</a:t>
+            </a:r>
+            <a:endParaRPr sz="2400" dirty="0">
+              <a:solidFill>
+                <a:srgbClr val="EF5A28"/>
+              </a:solidFill>
+              <a:latin typeface="Verdana" panose="020B0604030504040204"/>
+              <a:cs typeface="Verdana" panose="020B0604030504040204"/>
+            </a:endParaRPr>
+          </a:p>
+          <a:p>
+            <a:pPr marL="12700">
+              <a:lnSpc>
+                <a:spcPct val="100000"/>
+              </a:lnSpc>
+              <a:spcBef>
+                <a:spcPts val="700"/>
+              </a:spcBef>
+            </a:pPr>
+            <a:endParaRPr sz="2400" dirty="0">
+              <a:solidFill>
+                <a:srgbClr val="EF5A28"/>
+              </a:solidFill>
+              <a:latin typeface="Verdana" panose="020B0604030504040204"/>
+              <a:cs typeface="Verdana" panose="020B0604030504040204"/>
+            </a:endParaRPr>
+          </a:p>
+          <a:p>
+            <a:pPr marL="12700">
+              <a:lnSpc>
+                <a:spcPct val="100000"/>
+              </a:lnSpc>
+              <a:spcBef>
+                <a:spcPts val="700"/>
+              </a:spcBef>
+            </a:pPr>
+            <a:r>
+              <a:rPr sz="2400" dirty="0">
+                <a:solidFill>
+                  <a:srgbClr val="EF5A28"/>
+                </a:solidFill>
+                <a:latin typeface="Verdana" panose="020B0604030504040204"/>
+                <a:cs typeface="Verdana" panose="020B0604030504040204"/>
+              </a:rPr>
+              <a:t>1.    Create a custom AWS Identity and Access Management (IAM) policy and execution role for your Lambda function.</a:t>
+            </a:r>
+            <a:endParaRPr sz="2400" dirty="0">
+              <a:solidFill>
+                <a:srgbClr val="EF5A28"/>
+              </a:solidFill>
+              <a:latin typeface="Verdana" panose="020B0604030504040204"/>
+              <a:cs typeface="Verdana" panose="020B0604030504040204"/>
+            </a:endParaRPr>
+          </a:p>
+          <a:p>
+            <a:pPr marL="12700">
+              <a:lnSpc>
+                <a:spcPct val="100000"/>
+              </a:lnSpc>
+              <a:spcBef>
+                <a:spcPts val="700"/>
+              </a:spcBef>
+            </a:pPr>
+            <a:endParaRPr sz="2400" dirty="0">
+              <a:solidFill>
+                <a:srgbClr val="EF5A28"/>
+              </a:solidFill>
+              <a:latin typeface="Verdana" panose="020B0604030504040204"/>
+              <a:cs typeface="Verdana" panose="020B0604030504040204"/>
+            </a:endParaRPr>
+          </a:p>
+          <a:p>
+            <a:pPr marL="12700">
+              <a:lnSpc>
+                <a:spcPct val="100000"/>
+              </a:lnSpc>
+              <a:spcBef>
+                <a:spcPts val="700"/>
+              </a:spcBef>
+            </a:pPr>
+            <a:r>
+              <a:rPr sz="2400" dirty="0">
+                <a:solidFill>
+                  <a:srgbClr val="EF5A28"/>
+                </a:solidFill>
+                <a:latin typeface="Verdana" panose="020B0604030504040204"/>
+                <a:cs typeface="Verdana" panose="020B0604030504040204"/>
+              </a:rPr>
+              <a:t>2.    Create Lambda functions that stop and start your EC2 instances.</a:t>
+            </a:r>
+            <a:endParaRPr sz="2400" dirty="0">
+              <a:solidFill>
+                <a:srgbClr val="EF5A28"/>
+              </a:solidFill>
+              <a:latin typeface="Verdana" panose="020B0604030504040204"/>
+              <a:cs typeface="Verdana" panose="020B0604030504040204"/>
+            </a:endParaRPr>
+          </a:p>
+          <a:p>
+            <a:pPr marL="12700">
+              <a:lnSpc>
+                <a:spcPct val="100000"/>
+              </a:lnSpc>
+              <a:spcBef>
+                <a:spcPts val="700"/>
+              </a:spcBef>
+            </a:pPr>
+            <a:endParaRPr sz="2400" dirty="0">
+              <a:solidFill>
+                <a:srgbClr val="EF5A28"/>
+              </a:solidFill>
+              <a:latin typeface="Verdana" panose="020B0604030504040204"/>
+              <a:cs typeface="Verdana" panose="020B0604030504040204"/>
+            </a:endParaRPr>
+          </a:p>
+          <a:p>
+            <a:pPr marL="12700">
+              <a:lnSpc>
+                <a:spcPct val="100000"/>
+              </a:lnSpc>
+              <a:spcBef>
+                <a:spcPts val="700"/>
+              </a:spcBef>
+            </a:pPr>
+            <a:r>
+              <a:rPr sz="2400" dirty="0">
+                <a:solidFill>
+                  <a:srgbClr val="EF5A28"/>
+                </a:solidFill>
+                <a:latin typeface="Verdana" panose="020B0604030504040204"/>
+                <a:cs typeface="Verdana" panose="020B0604030504040204"/>
+              </a:rPr>
+              <a:t>3.    Test your Lambda functions.</a:t>
+            </a:r>
+            <a:endParaRPr sz="2400" dirty="0">
+              <a:solidFill>
+                <a:srgbClr val="EF5A28"/>
+              </a:solidFill>
+              <a:latin typeface="Verdana" panose="020B0604030504040204"/>
+              <a:cs typeface="Verdana" panose="020B0604030504040204"/>
+            </a:endParaRPr>
+          </a:p>
+        </p:txBody>
+      </p:sp>
+      <p:grpSp>
+        <p:nvGrpSpPr>
+          <p:cNvPr id="5" name="object 5"/>
+          <p:cNvGrpSpPr/>
+          <p:nvPr/>
+        </p:nvGrpSpPr>
+        <p:grpSpPr>
+          <a:xfrm>
+            <a:off x="478518" y="1903456"/>
+            <a:ext cx="3053080" cy="3049905"/>
+            <a:chOff x="707118" y="1903456"/>
+            <a:chExt cx="3053080" cy="3049905"/>
+          </a:xfrm>
+        </p:grpSpPr>
+        <p:sp>
+          <p:nvSpPr>
+            <p:cNvPr id="6" name="object 6"/>
+            <p:cNvSpPr/>
+            <p:nvPr/>
+          </p:nvSpPr>
+          <p:spPr>
+            <a:xfrm>
+              <a:off x="707118" y="1903456"/>
+              <a:ext cx="3053080" cy="3049905"/>
+            </a:xfrm>
+            <a:custGeom>
+              <a:avLst/>
+              <a:gdLst/>
+              <a:ahLst/>
+              <a:cxnLst/>
+              <a:rect l="l" t="t" r="r" b="b"/>
+              <a:pathLst>
+                <a:path w="3053079" h="3049904">
+                  <a:moveTo>
+                    <a:pt x="3052580" y="3049340"/>
+                  </a:moveTo>
+                  <a:lnTo>
+                    <a:pt x="0" y="3049340"/>
+                  </a:lnTo>
+                  <a:lnTo>
+                    <a:pt x="0" y="0"/>
+                  </a:lnTo>
+                  <a:lnTo>
+                    <a:pt x="3052580" y="0"/>
+                  </a:lnTo>
+                  <a:lnTo>
+                    <a:pt x="3052580" y="3049340"/>
+                  </a:lnTo>
+                  <a:close/>
+                </a:path>
+              </a:pathLst>
+            </a:custGeom>
+            <a:solidFill>
+              <a:srgbClr val="D76613"/>
+            </a:solidFill>
+          </p:spPr>
+          <p:txBody>
+            <a:bodyPr wrap="square" lIns="0" tIns="0" rIns="0" bIns="0" rtlCol="0"/>
+            <a:lstStyle/>
+            <a:p/>
+          </p:txBody>
+        </p:sp>
+        <p:sp>
+          <p:nvSpPr>
+            <p:cNvPr id="7" name="object 7"/>
+            <p:cNvSpPr/>
+            <p:nvPr/>
+          </p:nvSpPr>
+          <p:spPr>
+            <a:xfrm>
+              <a:off x="1217168" y="2776145"/>
+              <a:ext cx="2036445" cy="1295400"/>
+            </a:xfrm>
+            <a:custGeom>
+              <a:avLst/>
+              <a:gdLst/>
+              <a:ahLst/>
+              <a:cxnLst/>
+              <a:rect l="l" t="t" r="r" b="b"/>
+              <a:pathLst>
+                <a:path w="2036445" h="1295400">
+                  <a:moveTo>
+                    <a:pt x="1720427" y="1295399"/>
+                  </a:moveTo>
+                  <a:lnTo>
+                    <a:pt x="385291" y="1295399"/>
+                  </a:lnTo>
+                  <a:lnTo>
+                    <a:pt x="248631" y="1257299"/>
+                  </a:lnTo>
+                  <a:lnTo>
+                    <a:pt x="205708" y="1231899"/>
+                  </a:lnTo>
+                  <a:lnTo>
+                    <a:pt x="165147" y="1206499"/>
+                  </a:lnTo>
+                  <a:lnTo>
+                    <a:pt x="127578" y="1181099"/>
+                  </a:lnTo>
+                  <a:lnTo>
+                    <a:pt x="93629" y="1155699"/>
+                  </a:lnTo>
+                  <a:lnTo>
+                    <a:pt x="63930" y="1117599"/>
+                  </a:lnTo>
+                  <a:lnTo>
+                    <a:pt x="39109" y="1079499"/>
+                  </a:lnTo>
+                  <a:lnTo>
+                    <a:pt x="19795" y="1028699"/>
+                  </a:lnTo>
+                  <a:lnTo>
+                    <a:pt x="6617" y="990599"/>
+                  </a:lnTo>
+                  <a:lnTo>
+                    <a:pt x="203" y="939799"/>
+                  </a:lnTo>
+                  <a:lnTo>
+                    <a:pt x="203" y="888999"/>
+                  </a:lnTo>
+                  <a:lnTo>
+                    <a:pt x="0" y="888999"/>
+                  </a:lnTo>
+                  <a:lnTo>
+                    <a:pt x="4946" y="838199"/>
+                  </a:lnTo>
+                  <a:lnTo>
+                    <a:pt x="15403" y="787399"/>
+                  </a:lnTo>
+                  <a:lnTo>
+                    <a:pt x="31237" y="749299"/>
+                  </a:lnTo>
+                  <a:lnTo>
+                    <a:pt x="52111" y="711199"/>
+                  </a:lnTo>
+                  <a:lnTo>
+                    <a:pt x="77686" y="673099"/>
+                  </a:lnTo>
+                  <a:lnTo>
+                    <a:pt x="107627" y="634999"/>
+                  </a:lnTo>
+                  <a:lnTo>
+                    <a:pt x="141595" y="609599"/>
+                  </a:lnTo>
+                  <a:lnTo>
+                    <a:pt x="179253" y="584199"/>
+                  </a:lnTo>
+                  <a:lnTo>
+                    <a:pt x="220263" y="558799"/>
+                  </a:lnTo>
+                  <a:lnTo>
+                    <a:pt x="264288" y="546099"/>
+                  </a:lnTo>
+                  <a:lnTo>
+                    <a:pt x="264288" y="520699"/>
+                  </a:lnTo>
+                  <a:lnTo>
+                    <a:pt x="267555" y="469899"/>
+                  </a:lnTo>
+                  <a:lnTo>
+                    <a:pt x="275056" y="419099"/>
+                  </a:lnTo>
+                  <a:lnTo>
+                    <a:pt x="301980" y="330199"/>
+                  </a:lnTo>
+                  <a:lnTo>
+                    <a:pt x="321017" y="292099"/>
+                  </a:lnTo>
+                  <a:lnTo>
+                    <a:pt x="343512" y="253999"/>
+                  </a:lnTo>
+                  <a:lnTo>
+                    <a:pt x="369271" y="215899"/>
+                  </a:lnTo>
+                  <a:lnTo>
+                    <a:pt x="398102" y="177799"/>
+                  </a:lnTo>
+                  <a:lnTo>
+                    <a:pt x="429809" y="139699"/>
+                  </a:lnTo>
+                  <a:lnTo>
+                    <a:pt x="464201" y="114299"/>
+                  </a:lnTo>
+                  <a:lnTo>
+                    <a:pt x="501082" y="88899"/>
+                  </a:lnTo>
+                  <a:lnTo>
+                    <a:pt x="540260" y="63499"/>
+                  </a:lnTo>
+                  <a:lnTo>
+                    <a:pt x="581541" y="38099"/>
+                  </a:lnTo>
+                  <a:lnTo>
+                    <a:pt x="624731" y="25399"/>
+                  </a:lnTo>
+                  <a:lnTo>
+                    <a:pt x="716065" y="0"/>
+                  </a:lnTo>
+                  <a:lnTo>
+                    <a:pt x="916459" y="0"/>
+                  </a:lnTo>
+                  <a:lnTo>
+                    <a:pt x="966527" y="25399"/>
+                  </a:lnTo>
+                  <a:lnTo>
+                    <a:pt x="1014942" y="38099"/>
+                  </a:lnTo>
+                  <a:lnTo>
+                    <a:pt x="1061366" y="63499"/>
+                  </a:lnTo>
+                  <a:lnTo>
+                    <a:pt x="1083414" y="76199"/>
+                  </a:lnTo>
+                  <a:lnTo>
+                    <a:pt x="757496" y="76199"/>
+                  </a:lnTo>
+                  <a:lnTo>
+                    <a:pt x="615178" y="114299"/>
+                  </a:lnTo>
+                  <a:lnTo>
+                    <a:pt x="573281" y="139699"/>
+                  </a:lnTo>
+                  <a:lnTo>
+                    <a:pt x="534280" y="165099"/>
+                  </a:lnTo>
+                  <a:lnTo>
+                    <a:pt x="498372" y="190499"/>
+                  </a:lnTo>
+                  <a:lnTo>
+                    <a:pt x="465750" y="228599"/>
+                  </a:lnTo>
+                  <a:lnTo>
+                    <a:pt x="436610" y="253999"/>
+                  </a:lnTo>
+                  <a:lnTo>
+                    <a:pt x="411146" y="292099"/>
+                  </a:lnTo>
+                  <a:lnTo>
+                    <a:pt x="389553" y="342899"/>
+                  </a:lnTo>
+                  <a:lnTo>
+                    <a:pt x="372027" y="380999"/>
+                  </a:lnTo>
+                  <a:lnTo>
+                    <a:pt x="358762" y="419099"/>
+                  </a:lnTo>
+                  <a:lnTo>
+                    <a:pt x="349953" y="469899"/>
+                  </a:lnTo>
+                  <a:lnTo>
+                    <a:pt x="345795" y="520699"/>
+                  </a:lnTo>
+                  <a:lnTo>
+                    <a:pt x="345909" y="533399"/>
+                  </a:lnTo>
+                  <a:lnTo>
+                    <a:pt x="346493" y="546099"/>
+                  </a:lnTo>
+                  <a:lnTo>
+                    <a:pt x="347543" y="558799"/>
+                  </a:lnTo>
+                  <a:lnTo>
+                    <a:pt x="349056" y="571499"/>
+                  </a:lnTo>
+                  <a:lnTo>
+                    <a:pt x="348073" y="584199"/>
+                  </a:lnTo>
+                  <a:lnTo>
+                    <a:pt x="342021" y="596899"/>
+                  </a:lnTo>
+                  <a:lnTo>
+                    <a:pt x="331742" y="609599"/>
+                  </a:lnTo>
+                  <a:lnTo>
+                    <a:pt x="318083" y="622299"/>
+                  </a:lnTo>
+                  <a:lnTo>
+                    <a:pt x="268989" y="634999"/>
+                  </a:lnTo>
+                  <a:lnTo>
+                    <a:pt x="223854" y="647699"/>
+                  </a:lnTo>
+                  <a:lnTo>
+                    <a:pt x="183472" y="685799"/>
+                  </a:lnTo>
+                  <a:lnTo>
+                    <a:pt x="148639" y="711199"/>
+                  </a:lnTo>
+                  <a:lnTo>
+                    <a:pt x="120149" y="749299"/>
+                  </a:lnTo>
+                  <a:lnTo>
+                    <a:pt x="98797" y="800099"/>
+                  </a:lnTo>
+                  <a:lnTo>
+                    <a:pt x="85379" y="850899"/>
+                  </a:lnTo>
+                  <a:lnTo>
+                    <a:pt x="504051" y="850899"/>
+                  </a:lnTo>
+                  <a:lnTo>
+                    <a:pt x="515331" y="863599"/>
+                  </a:lnTo>
+                  <a:lnTo>
+                    <a:pt x="522762" y="863599"/>
+                  </a:lnTo>
+                  <a:lnTo>
+                    <a:pt x="526910" y="876299"/>
+                  </a:lnTo>
+                  <a:lnTo>
+                    <a:pt x="527613" y="888999"/>
+                  </a:lnTo>
+                  <a:lnTo>
+                    <a:pt x="524704" y="901699"/>
+                  </a:lnTo>
+                  <a:lnTo>
+                    <a:pt x="518519" y="914399"/>
+                  </a:lnTo>
+                  <a:lnTo>
+                    <a:pt x="509697" y="927099"/>
+                  </a:lnTo>
+                  <a:lnTo>
+                    <a:pt x="81303" y="927099"/>
+                  </a:lnTo>
+                  <a:lnTo>
+                    <a:pt x="87996" y="977899"/>
+                  </a:lnTo>
+                  <a:lnTo>
+                    <a:pt x="102370" y="1015999"/>
+                  </a:lnTo>
+                  <a:lnTo>
+                    <a:pt x="123537" y="1054099"/>
+                  </a:lnTo>
+                  <a:lnTo>
+                    <a:pt x="150611" y="1092199"/>
+                  </a:lnTo>
+                  <a:lnTo>
+                    <a:pt x="182704" y="1117599"/>
+                  </a:lnTo>
+                  <a:lnTo>
+                    <a:pt x="218929" y="1142999"/>
+                  </a:lnTo>
+                  <a:lnTo>
+                    <a:pt x="258398" y="1168399"/>
+                  </a:lnTo>
+                  <a:lnTo>
+                    <a:pt x="300224" y="1193799"/>
+                  </a:lnTo>
+                  <a:lnTo>
+                    <a:pt x="343519" y="1206499"/>
+                  </a:lnTo>
+                  <a:lnTo>
+                    <a:pt x="387398" y="1206499"/>
+                  </a:lnTo>
+                  <a:lnTo>
+                    <a:pt x="430971" y="1219199"/>
+                  </a:lnTo>
+                  <a:lnTo>
+                    <a:pt x="1908608" y="1219199"/>
+                  </a:lnTo>
+                  <a:lnTo>
+                    <a:pt x="1892166" y="1231899"/>
+                  </a:lnTo>
+                  <a:lnTo>
+                    <a:pt x="1857583" y="1244599"/>
+                  </a:lnTo>
+                  <a:lnTo>
+                    <a:pt x="1822210" y="1269999"/>
+                  </a:lnTo>
+                  <a:lnTo>
+                    <a:pt x="1786955" y="1269999"/>
+                  </a:lnTo>
+                  <a:lnTo>
+                    <a:pt x="1752724" y="1282699"/>
+                  </a:lnTo>
+                  <a:lnTo>
+                    <a:pt x="1720427" y="1295399"/>
+                  </a:lnTo>
+                  <a:close/>
+                </a:path>
+                <a:path w="2036445" h="1295400">
+                  <a:moveTo>
+                    <a:pt x="1130016" y="647699"/>
+                  </a:moveTo>
+                  <a:lnTo>
+                    <a:pt x="1019852" y="647699"/>
+                  </a:lnTo>
+                  <a:lnTo>
+                    <a:pt x="1046796" y="622299"/>
+                  </a:lnTo>
+                  <a:lnTo>
+                    <a:pt x="1064960" y="596899"/>
+                  </a:lnTo>
+                  <a:lnTo>
+                    <a:pt x="1071620" y="558799"/>
+                  </a:lnTo>
+                  <a:lnTo>
+                    <a:pt x="1064960" y="533399"/>
+                  </a:lnTo>
+                  <a:lnTo>
+                    <a:pt x="1046796" y="507999"/>
+                  </a:lnTo>
+                  <a:lnTo>
+                    <a:pt x="1019852" y="482599"/>
+                  </a:lnTo>
+                  <a:lnTo>
+                    <a:pt x="855625" y="482599"/>
+                  </a:lnTo>
+                  <a:lnTo>
+                    <a:pt x="855625" y="76199"/>
+                  </a:lnTo>
+                  <a:lnTo>
+                    <a:pt x="1083414" y="76199"/>
+                  </a:lnTo>
+                  <a:lnTo>
+                    <a:pt x="1105462" y="88899"/>
+                  </a:lnTo>
+                  <a:lnTo>
+                    <a:pt x="1126178" y="101599"/>
+                  </a:lnTo>
+                  <a:lnTo>
+                    <a:pt x="936725" y="101599"/>
+                  </a:lnTo>
+                  <a:lnTo>
+                    <a:pt x="936725" y="406399"/>
+                  </a:lnTo>
+                  <a:lnTo>
+                    <a:pt x="1030643" y="406399"/>
+                  </a:lnTo>
+                  <a:lnTo>
+                    <a:pt x="1070361" y="419099"/>
+                  </a:lnTo>
+                  <a:lnTo>
+                    <a:pt x="1104014" y="444499"/>
+                  </a:lnTo>
+                  <a:lnTo>
+                    <a:pt x="1130016" y="482599"/>
+                  </a:lnTo>
+                  <a:lnTo>
+                    <a:pt x="1146780" y="520699"/>
+                  </a:lnTo>
+                  <a:lnTo>
+                    <a:pt x="1152720" y="558799"/>
+                  </a:lnTo>
+                  <a:lnTo>
+                    <a:pt x="1146780" y="609599"/>
+                  </a:lnTo>
+                  <a:lnTo>
+                    <a:pt x="1130016" y="647699"/>
+                  </a:lnTo>
+                  <a:close/>
+                </a:path>
+                <a:path w="2036445" h="1295400">
+                  <a:moveTo>
+                    <a:pt x="1299714" y="444499"/>
+                  </a:moveTo>
+                  <a:lnTo>
+                    <a:pt x="1284129" y="444499"/>
+                  </a:lnTo>
+                  <a:lnTo>
+                    <a:pt x="1269602" y="431799"/>
+                  </a:lnTo>
+                  <a:lnTo>
+                    <a:pt x="1263530" y="431799"/>
+                  </a:lnTo>
+                  <a:lnTo>
+                    <a:pt x="1258884" y="419099"/>
+                  </a:lnTo>
+                  <a:lnTo>
+                    <a:pt x="1256235" y="419099"/>
+                  </a:lnTo>
+                  <a:lnTo>
+                    <a:pt x="1238097" y="368299"/>
+                  </a:lnTo>
+                  <a:lnTo>
+                    <a:pt x="1216161" y="330199"/>
+                  </a:lnTo>
+                  <a:lnTo>
+                    <a:pt x="1190578" y="292099"/>
+                  </a:lnTo>
+                  <a:lnTo>
+                    <a:pt x="1161501" y="253999"/>
+                  </a:lnTo>
+                  <a:lnTo>
+                    <a:pt x="1129083" y="215899"/>
+                  </a:lnTo>
+                  <a:lnTo>
+                    <a:pt x="1095349" y="177799"/>
+                  </a:lnTo>
+                  <a:lnTo>
+                    <a:pt x="1058979" y="152399"/>
+                  </a:lnTo>
+                  <a:lnTo>
+                    <a:pt x="1020239" y="126999"/>
+                  </a:lnTo>
+                  <a:lnTo>
+                    <a:pt x="979399" y="114299"/>
+                  </a:lnTo>
+                  <a:lnTo>
+                    <a:pt x="936725" y="101599"/>
+                  </a:lnTo>
+                  <a:lnTo>
+                    <a:pt x="1126178" y="101599"/>
+                  </a:lnTo>
+                  <a:lnTo>
+                    <a:pt x="1146894" y="114299"/>
+                  </a:lnTo>
+                  <a:lnTo>
+                    <a:pt x="1185323" y="152399"/>
+                  </a:lnTo>
+                  <a:lnTo>
+                    <a:pt x="1221648" y="190499"/>
+                  </a:lnTo>
+                  <a:lnTo>
+                    <a:pt x="1254263" y="241299"/>
+                  </a:lnTo>
+                  <a:lnTo>
+                    <a:pt x="1282974" y="279399"/>
+                  </a:lnTo>
+                  <a:lnTo>
+                    <a:pt x="1307585" y="330199"/>
+                  </a:lnTo>
+                  <a:lnTo>
+                    <a:pt x="1605595" y="330199"/>
+                  </a:lnTo>
+                  <a:lnTo>
+                    <a:pt x="1636941" y="355599"/>
+                  </a:lnTo>
+                  <a:lnTo>
+                    <a:pt x="1459596" y="355599"/>
+                  </a:lnTo>
+                  <a:lnTo>
+                    <a:pt x="1421123" y="368299"/>
+                  </a:lnTo>
+                  <a:lnTo>
+                    <a:pt x="1385236" y="380999"/>
+                  </a:lnTo>
+                  <a:lnTo>
+                    <a:pt x="1353315" y="393699"/>
+                  </a:lnTo>
+                  <a:lnTo>
+                    <a:pt x="1326739" y="419099"/>
+                  </a:lnTo>
+                  <a:lnTo>
+                    <a:pt x="1314527" y="431799"/>
+                  </a:lnTo>
+                  <a:lnTo>
+                    <a:pt x="1299714" y="444499"/>
+                  </a:lnTo>
+                  <a:close/>
+                </a:path>
+                <a:path w="2036445" h="1295400">
+                  <a:moveTo>
+                    <a:pt x="1605595" y="330199"/>
+                  </a:moveTo>
+                  <a:lnTo>
+                    <a:pt x="1307585" y="330199"/>
+                  </a:lnTo>
+                  <a:lnTo>
+                    <a:pt x="1341691" y="304799"/>
+                  </a:lnTo>
+                  <a:lnTo>
+                    <a:pt x="1378797" y="292099"/>
+                  </a:lnTo>
+                  <a:lnTo>
+                    <a:pt x="1418096" y="279399"/>
+                  </a:lnTo>
+                  <a:lnTo>
+                    <a:pt x="1497009" y="279399"/>
+                  </a:lnTo>
+                  <a:lnTo>
+                    <a:pt x="1534784" y="292099"/>
+                  </a:lnTo>
+                  <a:lnTo>
+                    <a:pt x="1571262" y="304799"/>
+                  </a:lnTo>
+                  <a:lnTo>
+                    <a:pt x="1605595" y="330199"/>
+                  </a:lnTo>
+                  <a:close/>
+                </a:path>
+                <a:path w="2036445" h="1295400">
+                  <a:moveTo>
+                    <a:pt x="1364012" y="1054099"/>
+                  </a:moveTo>
+                  <a:lnTo>
+                    <a:pt x="1254492" y="1054099"/>
+                  </a:lnTo>
+                  <a:lnTo>
+                    <a:pt x="1278879" y="1028699"/>
+                  </a:lnTo>
+                  <a:lnTo>
+                    <a:pt x="1295907" y="1003299"/>
+                  </a:lnTo>
+                  <a:lnTo>
+                    <a:pt x="1303509" y="977899"/>
+                  </a:lnTo>
+                  <a:lnTo>
+                    <a:pt x="1301766" y="965199"/>
+                  </a:lnTo>
+                  <a:lnTo>
+                    <a:pt x="1296622" y="952499"/>
+                  </a:lnTo>
+                  <a:lnTo>
+                    <a:pt x="1288299" y="927099"/>
+                  </a:lnTo>
+                  <a:lnTo>
+                    <a:pt x="1277019" y="914399"/>
+                  </a:lnTo>
+                  <a:lnTo>
+                    <a:pt x="1269589" y="914399"/>
+                  </a:lnTo>
+                  <a:lnTo>
+                    <a:pt x="1265440" y="901699"/>
+                  </a:lnTo>
+                  <a:lnTo>
+                    <a:pt x="1264738" y="888999"/>
+                  </a:lnTo>
+                  <a:lnTo>
+                    <a:pt x="1267646" y="876299"/>
+                  </a:lnTo>
+                  <a:lnTo>
+                    <a:pt x="1273900" y="863599"/>
+                  </a:lnTo>
+                  <a:lnTo>
+                    <a:pt x="1282745" y="850899"/>
+                  </a:lnTo>
+                  <a:lnTo>
+                    <a:pt x="1949864" y="850899"/>
+                  </a:lnTo>
+                  <a:lnTo>
+                    <a:pt x="1937986" y="800099"/>
+                  </a:lnTo>
+                  <a:lnTo>
+                    <a:pt x="1919484" y="761999"/>
+                  </a:lnTo>
+                  <a:lnTo>
+                    <a:pt x="1894381" y="723899"/>
+                  </a:lnTo>
+                  <a:lnTo>
+                    <a:pt x="1862702" y="698499"/>
+                  </a:lnTo>
+                  <a:lnTo>
+                    <a:pt x="1824471" y="673099"/>
+                  </a:lnTo>
+                  <a:lnTo>
+                    <a:pt x="1779711" y="647699"/>
+                  </a:lnTo>
+                  <a:lnTo>
+                    <a:pt x="1728446" y="622299"/>
+                  </a:lnTo>
+                  <a:lnTo>
+                    <a:pt x="1670701" y="609599"/>
+                  </a:lnTo>
+                  <a:lnTo>
+                    <a:pt x="1658036" y="609599"/>
+                  </a:lnTo>
+                  <a:lnTo>
+                    <a:pt x="1647904" y="596899"/>
+                  </a:lnTo>
+                  <a:lnTo>
+                    <a:pt x="1641020" y="584199"/>
+                  </a:lnTo>
+                  <a:lnTo>
+                    <a:pt x="1638098" y="571499"/>
+                  </a:lnTo>
+                  <a:lnTo>
+                    <a:pt x="1629258" y="507999"/>
+                  </a:lnTo>
+                  <a:lnTo>
+                    <a:pt x="1611942" y="457199"/>
+                  </a:lnTo>
+                  <a:lnTo>
+                    <a:pt x="1587903" y="419099"/>
+                  </a:lnTo>
+                  <a:lnTo>
+                    <a:pt x="1558895" y="393699"/>
+                  </a:lnTo>
+                  <a:lnTo>
+                    <a:pt x="1526672" y="368299"/>
+                  </a:lnTo>
+                  <a:lnTo>
+                    <a:pt x="1492988" y="355599"/>
+                  </a:lnTo>
+                  <a:lnTo>
+                    <a:pt x="1636941" y="355599"/>
+                  </a:lnTo>
+                  <a:lnTo>
+                    <a:pt x="1664452" y="393699"/>
+                  </a:lnTo>
+                  <a:lnTo>
+                    <a:pt x="1687284" y="431799"/>
+                  </a:lnTo>
+                  <a:lnTo>
+                    <a:pt x="1704592" y="482599"/>
+                  </a:lnTo>
+                  <a:lnTo>
+                    <a:pt x="1715530" y="533399"/>
+                  </a:lnTo>
+                  <a:lnTo>
+                    <a:pt x="1766788" y="546099"/>
+                  </a:lnTo>
+                  <a:lnTo>
+                    <a:pt x="1813817" y="571499"/>
+                  </a:lnTo>
+                  <a:lnTo>
+                    <a:pt x="1856550" y="596899"/>
+                  </a:lnTo>
+                  <a:lnTo>
+                    <a:pt x="1894923" y="622299"/>
+                  </a:lnTo>
+                  <a:lnTo>
+                    <a:pt x="1928867" y="647699"/>
+                  </a:lnTo>
+                  <a:lnTo>
+                    <a:pt x="1958318" y="673099"/>
+                  </a:lnTo>
+                  <a:lnTo>
+                    <a:pt x="1983210" y="711199"/>
+                  </a:lnTo>
+                  <a:lnTo>
+                    <a:pt x="2003475" y="749299"/>
+                  </a:lnTo>
+                  <a:lnTo>
+                    <a:pt x="2019049" y="787399"/>
+                  </a:lnTo>
+                  <a:lnTo>
+                    <a:pt x="2029864" y="838199"/>
+                  </a:lnTo>
+                  <a:lnTo>
+                    <a:pt x="2035855" y="876299"/>
+                  </a:lnTo>
+                  <a:lnTo>
+                    <a:pt x="2036262" y="888999"/>
+                  </a:lnTo>
+                  <a:lnTo>
+                    <a:pt x="2035855" y="888999"/>
+                  </a:lnTo>
+                  <a:lnTo>
+                    <a:pt x="2035855" y="914399"/>
+                  </a:lnTo>
+                  <a:lnTo>
+                    <a:pt x="2035129" y="927099"/>
+                  </a:lnTo>
+                  <a:lnTo>
+                    <a:pt x="1377274" y="927099"/>
+                  </a:lnTo>
+                  <a:lnTo>
+                    <a:pt x="1380506" y="939799"/>
+                  </a:lnTo>
+                  <a:lnTo>
+                    <a:pt x="1382806" y="952499"/>
+                  </a:lnTo>
+                  <a:lnTo>
+                    <a:pt x="1384174" y="965199"/>
+                  </a:lnTo>
+                  <a:lnTo>
+                    <a:pt x="1384609" y="977899"/>
+                  </a:lnTo>
+                  <a:lnTo>
+                    <a:pt x="1376484" y="1028699"/>
+                  </a:lnTo>
+                  <a:lnTo>
+                    <a:pt x="1364012" y="1054099"/>
+                  </a:lnTo>
+                  <a:close/>
+                </a:path>
+                <a:path w="2036445" h="1295400">
+                  <a:moveTo>
+                    <a:pt x="1030643" y="406399"/>
+                  </a:moveTo>
+                  <a:lnTo>
+                    <a:pt x="948895" y="406399"/>
+                  </a:lnTo>
+                  <a:lnTo>
+                    <a:pt x="961279" y="393699"/>
+                  </a:lnTo>
+                  <a:lnTo>
+                    <a:pt x="986445" y="393699"/>
+                  </a:lnTo>
+                  <a:lnTo>
+                    <a:pt x="1030643" y="406399"/>
+                  </a:lnTo>
+                  <a:close/>
+                </a:path>
+                <a:path w="2036445" h="1295400">
+                  <a:moveTo>
+                    <a:pt x="912942" y="520699"/>
+                  </a:moveTo>
+                  <a:lnTo>
+                    <a:pt x="882287" y="520699"/>
+                  </a:lnTo>
+                  <a:lnTo>
+                    <a:pt x="868503" y="507999"/>
+                  </a:lnTo>
+                  <a:lnTo>
+                    <a:pt x="863041" y="495299"/>
+                  </a:lnTo>
+                  <a:lnTo>
+                    <a:pt x="859008" y="495299"/>
+                  </a:lnTo>
+                  <a:lnTo>
+                    <a:pt x="856503" y="482599"/>
+                  </a:lnTo>
+                  <a:lnTo>
+                    <a:pt x="953725" y="482599"/>
+                  </a:lnTo>
+                  <a:lnTo>
+                    <a:pt x="938981" y="495299"/>
+                  </a:lnTo>
+                  <a:lnTo>
+                    <a:pt x="926129" y="507999"/>
+                  </a:lnTo>
+                  <a:lnTo>
+                    <a:pt x="912942" y="520699"/>
+                  </a:lnTo>
+                  <a:close/>
+                </a:path>
+                <a:path w="2036445" h="1295400">
+                  <a:moveTo>
+                    <a:pt x="937133" y="850899"/>
+                  </a:moveTo>
+                  <a:lnTo>
+                    <a:pt x="855625" y="850899"/>
+                  </a:lnTo>
+                  <a:lnTo>
+                    <a:pt x="855625" y="647699"/>
+                  </a:lnTo>
+                  <a:lnTo>
+                    <a:pt x="858716" y="634999"/>
+                  </a:lnTo>
+                  <a:lnTo>
+                    <a:pt x="867362" y="622299"/>
+                  </a:lnTo>
+                  <a:lnTo>
+                    <a:pt x="880257" y="609599"/>
+                  </a:lnTo>
+                  <a:lnTo>
+                    <a:pt x="912456" y="609599"/>
+                  </a:lnTo>
+                  <a:lnTo>
+                    <a:pt x="919751" y="622299"/>
+                  </a:lnTo>
+                  <a:lnTo>
+                    <a:pt x="926129" y="622299"/>
+                  </a:lnTo>
+                  <a:lnTo>
+                    <a:pt x="938941" y="634999"/>
+                  </a:lnTo>
+                  <a:lnTo>
+                    <a:pt x="953679" y="647699"/>
+                  </a:lnTo>
+                  <a:lnTo>
+                    <a:pt x="1130016" y="647699"/>
+                  </a:lnTo>
+                  <a:lnTo>
+                    <a:pt x="1104014" y="685799"/>
+                  </a:lnTo>
+                  <a:lnTo>
+                    <a:pt x="1070361" y="711199"/>
+                  </a:lnTo>
+                  <a:lnTo>
+                    <a:pt x="1030643" y="723899"/>
+                  </a:lnTo>
+                  <a:lnTo>
+                    <a:pt x="936725" y="723899"/>
+                  </a:lnTo>
+                  <a:lnTo>
+                    <a:pt x="937133" y="850899"/>
+                  </a:lnTo>
+                  <a:close/>
+                </a:path>
+                <a:path w="2036445" h="1295400">
+                  <a:moveTo>
+                    <a:pt x="504051" y="850899"/>
+                  </a:moveTo>
+                  <a:lnTo>
+                    <a:pt x="414262" y="850899"/>
+                  </a:lnTo>
+                  <a:lnTo>
+                    <a:pt x="411024" y="838199"/>
+                  </a:lnTo>
+                  <a:lnTo>
+                    <a:pt x="408714" y="825499"/>
+                  </a:lnTo>
+                  <a:lnTo>
+                    <a:pt x="407344" y="812799"/>
+                  </a:lnTo>
+                  <a:lnTo>
+                    <a:pt x="406926" y="800099"/>
+                  </a:lnTo>
+                  <a:lnTo>
+                    <a:pt x="415038" y="749299"/>
+                  </a:lnTo>
+                  <a:lnTo>
+                    <a:pt x="433741" y="711199"/>
+                  </a:lnTo>
+                  <a:lnTo>
+                    <a:pt x="461373" y="685799"/>
+                  </a:lnTo>
+                  <a:lnTo>
+                    <a:pt x="496273" y="660399"/>
+                  </a:lnTo>
+                  <a:lnTo>
+                    <a:pt x="536780" y="647699"/>
+                  </a:lnTo>
+                  <a:lnTo>
+                    <a:pt x="630008" y="647699"/>
+                  </a:lnTo>
+                  <a:lnTo>
+                    <a:pt x="672435" y="673099"/>
+                  </a:lnTo>
+                  <a:lnTo>
+                    <a:pt x="706256" y="711199"/>
+                  </a:lnTo>
+                  <a:lnTo>
+                    <a:pt x="713911" y="723899"/>
+                  </a:lnTo>
+                  <a:lnTo>
+                    <a:pt x="537858" y="723899"/>
+                  </a:lnTo>
+                  <a:lnTo>
+                    <a:pt x="513472" y="749299"/>
+                  </a:lnTo>
+                  <a:lnTo>
+                    <a:pt x="496444" y="774699"/>
+                  </a:lnTo>
+                  <a:lnTo>
+                    <a:pt x="488841" y="800099"/>
+                  </a:lnTo>
+                  <a:lnTo>
+                    <a:pt x="490585" y="812799"/>
+                  </a:lnTo>
+                  <a:lnTo>
+                    <a:pt x="495729" y="838199"/>
+                  </a:lnTo>
+                  <a:lnTo>
+                    <a:pt x="504051" y="850899"/>
+                  </a:lnTo>
+                  <a:close/>
+                </a:path>
+                <a:path w="2036445" h="1295400">
+                  <a:moveTo>
+                    <a:pt x="1210305" y="1142999"/>
+                  </a:moveTo>
+                  <a:lnTo>
+                    <a:pt x="1161511" y="1130299"/>
+                  </a:lnTo>
+                  <a:lnTo>
+                    <a:pt x="1119083" y="1104899"/>
+                  </a:lnTo>
+                  <a:lnTo>
+                    <a:pt x="1085267" y="1066799"/>
+                  </a:lnTo>
+                  <a:lnTo>
+                    <a:pt x="1062312" y="1028699"/>
+                  </a:lnTo>
+                  <a:lnTo>
+                    <a:pt x="1052466" y="977899"/>
+                  </a:lnTo>
+                  <a:lnTo>
+                    <a:pt x="1052885" y="965199"/>
+                  </a:lnTo>
+                  <a:lnTo>
+                    <a:pt x="1054320" y="952499"/>
+                  </a:lnTo>
+                  <a:lnTo>
+                    <a:pt x="1056764" y="939799"/>
+                  </a:lnTo>
+                  <a:lnTo>
+                    <a:pt x="1060209" y="927099"/>
+                  </a:lnTo>
+                  <a:lnTo>
+                    <a:pt x="636706" y="927099"/>
+                  </a:lnTo>
+                  <a:lnTo>
+                    <a:pt x="627884" y="914399"/>
+                  </a:lnTo>
+                  <a:lnTo>
+                    <a:pt x="621698" y="901699"/>
+                  </a:lnTo>
+                  <a:lnTo>
+                    <a:pt x="618871" y="888999"/>
+                  </a:lnTo>
+                  <a:lnTo>
+                    <a:pt x="619681" y="876299"/>
+                  </a:lnTo>
+                  <a:lnTo>
+                    <a:pt x="623945" y="863599"/>
+                  </a:lnTo>
+                  <a:lnTo>
+                    <a:pt x="631479" y="863599"/>
+                  </a:lnTo>
+                  <a:lnTo>
+                    <a:pt x="642759" y="850899"/>
+                  </a:lnTo>
+                  <a:lnTo>
+                    <a:pt x="651082" y="838199"/>
+                  </a:lnTo>
+                  <a:lnTo>
+                    <a:pt x="656226" y="812799"/>
+                  </a:lnTo>
+                  <a:lnTo>
+                    <a:pt x="657969" y="800099"/>
+                  </a:lnTo>
+                  <a:lnTo>
+                    <a:pt x="649032" y="761999"/>
+                  </a:lnTo>
+                  <a:lnTo>
+                    <a:pt x="629044" y="736599"/>
+                  </a:lnTo>
+                  <a:lnTo>
+                    <a:pt x="600911" y="723899"/>
+                  </a:lnTo>
+                  <a:lnTo>
+                    <a:pt x="713911" y="723899"/>
+                  </a:lnTo>
+                  <a:lnTo>
+                    <a:pt x="729219" y="749299"/>
+                  </a:lnTo>
+                  <a:lnTo>
+                    <a:pt x="739069" y="800099"/>
+                  </a:lnTo>
+                  <a:lnTo>
+                    <a:pt x="738766" y="812799"/>
+                  </a:lnTo>
+                  <a:lnTo>
+                    <a:pt x="737434" y="825499"/>
+                  </a:lnTo>
+                  <a:lnTo>
+                    <a:pt x="735086" y="838199"/>
+                  </a:lnTo>
+                  <a:lnTo>
+                    <a:pt x="731734" y="850899"/>
+                  </a:lnTo>
+                  <a:lnTo>
+                    <a:pt x="1148595" y="850899"/>
+                  </a:lnTo>
+                  <a:lnTo>
+                    <a:pt x="1161513" y="863599"/>
+                  </a:lnTo>
+                  <a:lnTo>
+                    <a:pt x="1170197" y="876299"/>
+                  </a:lnTo>
+                  <a:lnTo>
+                    <a:pt x="1173342" y="888999"/>
+                  </a:lnTo>
+                  <a:lnTo>
+                    <a:pt x="1172493" y="901699"/>
+                  </a:lnTo>
+                  <a:lnTo>
+                    <a:pt x="1170071" y="901699"/>
+                  </a:lnTo>
+                  <a:lnTo>
+                    <a:pt x="1166166" y="914399"/>
+                  </a:lnTo>
+                  <a:lnTo>
+                    <a:pt x="1160871" y="914399"/>
+                  </a:lnTo>
+                  <a:lnTo>
+                    <a:pt x="1149591" y="927099"/>
+                  </a:lnTo>
+                  <a:lnTo>
+                    <a:pt x="1141268" y="952499"/>
+                  </a:lnTo>
+                  <a:lnTo>
+                    <a:pt x="1136125" y="965199"/>
+                  </a:lnTo>
+                  <a:lnTo>
+                    <a:pt x="1134381" y="977899"/>
+                  </a:lnTo>
+                  <a:lnTo>
+                    <a:pt x="1143319" y="1015999"/>
+                  </a:lnTo>
+                  <a:lnTo>
+                    <a:pt x="1163306" y="1041399"/>
+                  </a:lnTo>
+                  <a:lnTo>
+                    <a:pt x="1191439" y="1054099"/>
+                  </a:lnTo>
+                  <a:lnTo>
+                    <a:pt x="1364012" y="1054099"/>
+                  </a:lnTo>
+                  <a:lnTo>
+                    <a:pt x="1357777" y="1066799"/>
+                  </a:lnTo>
+                  <a:lnTo>
+                    <a:pt x="1330147" y="1092199"/>
+                  </a:lnTo>
+                  <a:lnTo>
+                    <a:pt x="1295253" y="1117599"/>
+                  </a:lnTo>
+                  <a:lnTo>
+                    <a:pt x="1254753" y="1130299"/>
+                  </a:lnTo>
+                  <a:lnTo>
+                    <a:pt x="1210305" y="1142999"/>
+                  </a:lnTo>
+                  <a:close/>
+                </a:path>
+                <a:path w="2036445" h="1295400">
+                  <a:moveTo>
+                    <a:pt x="1908608" y="1219199"/>
+                  </a:moveTo>
+                  <a:lnTo>
+                    <a:pt x="1671928" y="1219199"/>
+                  </a:lnTo>
+                  <a:lnTo>
+                    <a:pt x="1704098" y="1206499"/>
+                  </a:lnTo>
+                  <a:lnTo>
+                    <a:pt x="1739274" y="1206499"/>
+                  </a:lnTo>
+                  <a:lnTo>
+                    <a:pt x="1812852" y="1181099"/>
+                  </a:lnTo>
+                  <a:lnTo>
+                    <a:pt x="1848359" y="1155699"/>
+                  </a:lnTo>
+                  <a:lnTo>
+                    <a:pt x="1881080" y="1130299"/>
+                  </a:lnTo>
+                  <a:lnTo>
+                    <a:pt x="1909569" y="1092199"/>
+                  </a:lnTo>
+                  <a:lnTo>
+                    <a:pt x="1932378" y="1054099"/>
+                  </a:lnTo>
+                  <a:lnTo>
+                    <a:pt x="1948058" y="990599"/>
+                  </a:lnTo>
+                  <a:lnTo>
+                    <a:pt x="1955162" y="927099"/>
+                  </a:lnTo>
+                  <a:lnTo>
+                    <a:pt x="2035129" y="927099"/>
+                  </a:lnTo>
+                  <a:lnTo>
+                    <a:pt x="2032224" y="977899"/>
+                  </a:lnTo>
+                  <a:lnTo>
+                    <a:pt x="2021448" y="1041399"/>
+                  </a:lnTo>
+                  <a:lnTo>
+                    <a:pt x="2004435" y="1092199"/>
+                  </a:lnTo>
+                  <a:lnTo>
+                    <a:pt x="1982093" y="1130299"/>
+                  </a:lnTo>
+                  <a:lnTo>
+                    <a:pt x="1955328" y="1168399"/>
+                  </a:lnTo>
+                  <a:lnTo>
+                    <a:pt x="1925050" y="1206499"/>
+                  </a:lnTo>
+                  <a:lnTo>
+                    <a:pt x="1908608" y="1219199"/>
+                  </a:lnTo>
+                  <a:close/>
+                </a:path>
+              </a:pathLst>
+            </a:custGeom>
+            <a:solidFill>
+              <a:srgbClr val="FFFFFF"/>
+            </a:solidFill>
+          </p:spPr>
+          <p:txBody>
+            <a:bodyPr wrap="square" lIns="0" tIns="0" rIns="0" bIns="0" rtlCol="0"/>
+            <a:lstStyle/>
+            <a:p/>
+          </p:txBody>
+        </p:sp>
+      </p:grpSp>
+      <p:sp>
+        <p:nvSpPr>
+          <p:cNvPr id="8" name="Slide Number Placeholder 7"/>
+          <p:cNvSpPr>
+            <a:spLocks noGrp="1"/>
+          </p:cNvSpPr>
+          <p:nvPr>
+            <p:ph type="sldNum" sz="quarter" idx="7"/>
+          </p:nvPr>
+        </p:nvSpPr>
+        <p:spPr/>
+        <p:txBody>
+          <a:bodyPr/>
+          <a:p>
+            <a:fld id="{B6F15528-21DE-4FAA-801E-634DDDAF4B2B}" type="slidenum">
+              <a:rPr/>
+            </a:fld>
+            <a:endParaRPr/>
+          </a:p>
+        </p:txBody>
+      </p:sp>
+    </p:spTree>
+  </p:cSld>
+  <p:clrMapOvr>
+    <a:masterClrMapping/>
+  </p:clrMapOvr>
+</p:sld>
+</file>
+
+<file path=ppt/slides/slide16.xml><?xml version="1.0" encoding="utf-8"?>
+<p:sld xmlns:a="http://schemas.openxmlformats.org/drawingml/2006/main" xmlns:r="http://schemas.openxmlformats.org/officeDocument/2006/relationships" xmlns:p="http://schemas.openxmlformats.org/presentationml/2006/main">
+  <p:cSld>
+    <p:spTree>
+      <p:nvGrpSpPr>
+        <p:cNvPr id="1" name=""/>
+        <p:cNvGrpSpPr/>
+        <p:nvPr/>
+      </p:nvGrpSpPr>
+      <p:grpSpPr>
+        <a:xfrm>
+          <a:off x="0" y="0"/>
+          <a:ext cx="0" cy="0"/>
+          <a:chOff x="0" y="0"/>
+          <a:chExt cx="0" cy="0"/>
+        </a:xfrm>
+      </p:grpSpPr>
+      <p:pic>
+        <p:nvPicPr>
+          <p:cNvPr id="2" name="object 2"/>
+          <p:cNvPicPr/>
+          <p:nvPr/>
+        </p:nvPicPr>
+        <p:blipFill>
+          <a:blip r:embed="rId1" cstate="print"/>
+          <a:stretch>
+            <a:fillRect/>
+          </a:stretch>
+        </p:blipFill>
+        <p:spPr>
+          <a:xfrm>
+            <a:off x="0" y="0"/>
+            <a:ext cx="4636008" cy="6858000"/>
+          </a:xfrm>
+          <a:prstGeom prst="rect">
+            <a:avLst/>
+          </a:prstGeom>
+        </p:spPr>
+      </p:pic>
+      <p:sp>
+        <p:nvSpPr>
+          <p:cNvPr id="3" name="object 3"/>
+          <p:cNvSpPr txBox="1">
+            <a:spLocks noGrp="1"/>
+          </p:cNvSpPr>
+          <p:nvPr>
+            <p:ph type="title"/>
+          </p:nvPr>
+        </p:nvSpPr>
+        <p:spPr>
+          <a:xfrm>
+            <a:off x="1626265" y="1916949"/>
+            <a:ext cx="1376680" cy="574040"/>
+          </a:xfrm>
+          <a:prstGeom prst="rect">
+            <a:avLst/>
+          </a:prstGeom>
+        </p:spPr>
+        <p:txBody>
+          <a:bodyPr vert="horz" wrap="square" lIns="0" tIns="12700" rIns="0" bIns="0" rtlCol="0">
+            <a:spAutoFit/>
+          </a:bodyPr>
+          <a:lstStyle/>
+          <a:p>
+            <a:pPr marL="12700">
+              <a:lnSpc>
+                <a:spcPct val="100000"/>
+              </a:lnSpc>
+              <a:spcBef>
+                <a:spcPts val="100"/>
+              </a:spcBef>
+            </a:pPr>
+            <a:r>
+              <a:rPr spc="40" dirty="0">
+                <a:solidFill>
+                  <a:srgbClr val="FFFFFF"/>
+                </a:solidFill>
+              </a:rPr>
+              <a:t>D</a:t>
+            </a:r>
+            <a:r>
+              <a:rPr spc="-10" dirty="0">
+                <a:solidFill>
+                  <a:srgbClr val="FFFFFF"/>
+                </a:solidFill>
+              </a:rPr>
+              <a:t>emo</a:t>
+            </a:r>
+            <a:endParaRPr spc="-10" dirty="0">
+              <a:solidFill>
+                <a:srgbClr val="FFFFFF"/>
+              </a:solidFill>
+            </a:endParaRPr>
+          </a:p>
+        </p:txBody>
+      </p:sp>
+      <p:sp>
+        <p:nvSpPr>
+          <p:cNvPr id="4" name="object 4"/>
+          <p:cNvSpPr txBox="1"/>
+          <p:nvPr/>
+        </p:nvSpPr>
+        <p:spPr>
+          <a:xfrm>
+            <a:off x="4953000" y="1828800"/>
+            <a:ext cx="7069455" cy="827405"/>
+          </a:xfrm>
+          <a:prstGeom prst="rect">
+            <a:avLst/>
+          </a:prstGeom>
+        </p:spPr>
+        <p:txBody>
+          <a:bodyPr vert="horz" wrap="square" lIns="0" tIns="88900" rIns="0" bIns="0" rtlCol="0">
+            <a:spAutoFit/>
+          </a:bodyPr>
+          <a:lstStyle/>
+          <a:p>
+            <a:pPr marL="12700" algn="ctr">
+              <a:lnSpc>
+                <a:spcPct val="100000"/>
+              </a:lnSpc>
+              <a:spcBef>
+                <a:spcPts val="700"/>
+              </a:spcBef>
+            </a:pPr>
+            <a:r>
+              <a:rPr lang="en-US" sz="2400" dirty="0">
+                <a:solidFill>
+                  <a:srgbClr val="2A9FBB"/>
+                </a:solidFill>
+                <a:latin typeface="Verdana" panose="020B0604030504040204"/>
+                <a:cs typeface="Verdana" panose="020B0604030504040204"/>
+              </a:rPr>
+              <a:t>S</a:t>
+            </a:r>
+            <a:r>
+              <a:rPr sz="2400" dirty="0">
+                <a:solidFill>
+                  <a:srgbClr val="2A9FBB"/>
+                </a:solidFill>
+                <a:latin typeface="Verdana" panose="020B0604030504040204"/>
+                <a:cs typeface="Verdana" panose="020B0604030504040204"/>
+              </a:rPr>
+              <a:t>top and </a:t>
+            </a:r>
+            <a:r>
+              <a:rPr lang="en-US" sz="2400" dirty="0">
+                <a:solidFill>
+                  <a:srgbClr val="2A9FBB"/>
+                </a:solidFill>
+                <a:latin typeface="Verdana" panose="020B0604030504040204"/>
+                <a:cs typeface="Verdana" panose="020B0604030504040204"/>
+              </a:rPr>
+              <a:t>S</a:t>
+            </a:r>
+            <a:r>
+              <a:rPr sz="2400" dirty="0">
+                <a:solidFill>
+                  <a:srgbClr val="2A9FBB"/>
+                </a:solidFill>
+                <a:latin typeface="Verdana" panose="020B0604030504040204"/>
+                <a:cs typeface="Verdana" panose="020B0604030504040204"/>
+              </a:rPr>
+              <a:t>tart Amazon EC2 instances  using Lambda</a:t>
+            </a:r>
+            <a:endParaRPr sz="2400">
+              <a:latin typeface="Verdana" panose="020B0604030504040204"/>
+              <a:cs typeface="Verdana" panose="020B0604030504040204"/>
+            </a:endParaRPr>
+          </a:p>
+        </p:txBody>
+      </p:sp>
+      <p:sp>
+        <p:nvSpPr>
+          <p:cNvPr id="5" name="Slide Number Placeholder 4"/>
+          <p:cNvSpPr>
+            <a:spLocks noGrp="1"/>
+          </p:cNvSpPr>
+          <p:nvPr>
+            <p:ph type="sldNum" sz="quarter" idx="7"/>
+          </p:nvPr>
+        </p:nvSpPr>
+        <p:spPr/>
+        <p:txBody>
+          <a:bodyPr/>
+          <a:p>
+            <a:fld id="{B6F15528-21DE-4FAA-801E-634DDDAF4B2B}" type="slidenum">
+              <a:rPr/>
+            </a:fld>
+            <a:endParaRPr/>
+          </a:p>
+        </p:txBody>
+      </p:sp>
+    </p:spTree>
+  </p:cSld>
+  <p:clrMapOvr>
+    <a:masterClrMapping/>
+  </p:clrMapOvr>
+</p:sld>
+</file>
+
+<file path=ppt/slides/slide17.xml><?xml version="1.0" encoding="utf-8"?>
 <p:sld xmlns:a="http://schemas.openxmlformats.org/drawingml/2006/main" xmlns:r="http://schemas.openxmlformats.org/officeDocument/2006/relationships" xmlns:p="http://schemas.openxmlformats.org/presentationml/2006/main">
   <p:cSld>
     <p:spTree>
